--- a/BDT Project Presentation.pptx
+++ b/BDT Project Presentation.pptx
@@ -118,6 +118,11 @@
       </a:defRPr>
     </a:lvl9pPr>
   </p:defaultTextStyle>
+  <p:extLst>
+    <p:ext uri="{EFAFB233-063F-42B5-8137-9DF3F51BA10A}">
+      <p15:sldGuideLst xmlns:p15="http://schemas.microsoft.com/office/powerpoint/2012/main"/>
+    </p:ext>
+  </p:extLst>
 </p:presentation>
 </file>
 
@@ -351,7 +356,7 @@
             <a:fld id="{B61BEF0D-F0BB-DE4B-95CE-6DB70DBA9567}" type="datetimeFigureOut">
               <a:rPr lang="en-US" dirty="0"/>
               <a:pPr/>
-              <a:t>9/21/2022</a:t>
+              <a:t>9/24/2022</a:t>
             </a:fld>
             <a:endParaRPr lang="en-US" dirty="0"/>
           </a:p>
@@ -682,7 +687,7 @@
             <a:fld id="{B61BEF0D-F0BB-DE4B-95CE-6DB70DBA9567}" type="datetimeFigureOut">
               <a:rPr lang="en-US" dirty="0"/>
               <a:pPr/>
-              <a:t>9/21/2022</a:t>
+              <a:t>9/24/2022</a:t>
             </a:fld>
             <a:endParaRPr lang="en-US" dirty="0"/>
           </a:p>
@@ -957,7 +962,7 @@
             <a:fld id="{B61BEF0D-F0BB-DE4B-95CE-6DB70DBA9567}" type="datetimeFigureOut">
               <a:rPr lang="en-US" dirty="0"/>
               <a:pPr/>
-              <a:t>9/21/2022</a:t>
+              <a:t>9/24/2022</a:t>
             </a:fld>
             <a:endParaRPr lang="en-US" dirty="0"/>
           </a:p>
@@ -1522,7 +1527,7 @@
             <a:fld id="{B61BEF0D-F0BB-DE4B-95CE-6DB70DBA9567}" type="datetimeFigureOut">
               <a:rPr lang="en-US" dirty="0"/>
               <a:pPr/>
-              <a:t>9/21/2022</a:t>
+              <a:t>9/24/2022</a:t>
             </a:fld>
             <a:endParaRPr lang="en-US" dirty="0"/>
           </a:p>
@@ -1797,7 +1802,7 @@
             <a:fld id="{B61BEF0D-F0BB-DE4B-95CE-6DB70DBA9567}" type="datetimeFigureOut">
               <a:rPr lang="en-US" dirty="0"/>
               <a:pPr/>
-              <a:t>9/21/2022</a:t>
+              <a:t>9/24/2022</a:t>
             </a:fld>
             <a:endParaRPr lang="en-US" dirty="0"/>
           </a:p>
@@ -2356,7 +2361,7 @@
             <a:fld id="{B61BEF0D-F0BB-DE4B-95CE-6DB70DBA9567}" type="datetimeFigureOut">
               <a:rPr lang="en-US" dirty="0"/>
               <a:pPr/>
-              <a:t>9/21/2022</a:t>
+              <a:t>9/24/2022</a:t>
             </a:fld>
             <a:endParaRPr lang="en-US" dirty="0"/>
           </a:p>
@@ -2680,7 +2685,7 @@
             <a:fld id="{B61BEF0D-F0BB-DE4B-95CE-6DB70DBA9567}" type="datetimeFigureOut">
               <a:rPr lang="en-US" dirty="0"/>
               <a:pPr/>
-              <a:t>9/21/2022</a:t>
+              <a:t>9/24/2022</a:t>
             </a:fld>
             <a:endParaRPr lang="en-US" dirty="0"/>
           </a:p>
@@ -2854,7 +2859,7 @@
             <a:fld id="{B61BEF0D-F0BB-DE4B-95CE-6DB70DBA9567}" type="datetimeFigureOut">
               <a:rPr lang="en-US" dirty="0"/>
               <a:pPr/>
-              <a:t>9/21/2022</a:t>
+              <a:t>9/24/2022</a:t>
             </a:fld>
             <a:endParaRPr lang="en-US" dirty="0"/>
           </a:p>
@@ -3089,7 +3094,7 @@
             <a:fld id="{B61BEF0D-F0BB-DE4B-95CE-6DB70DBA9567}" type="datetimeFigureOut">
               <a:rPr lang="en-US" dirty="0"/>
               <a:pPr/>
-              <a:t>9/21/2022</a:t>
+              <a:t>9/24/2022</a:t>
             </a:fld>
             <a:endParaRPr lang="en-US" dirty="0"/>
           </a:p>
@@ -3286,7 +3291,7 @@
             <a:fld id="{B61BEF0D-F0BB-DE4B-95CE-6DB70DBA9567}" type="datetimeFigureOut">
               <a:rPr lang="en-US" dirty="0"/>
               <a:pPr/>
-              <a:t>9/21/2022</a:t>
+              <a:t>9/24/2022</a:t>
             </a:fld>
             <a:endParaRPr lang="en-US" dirty="0"/>
           </a:p>
@@ -3559,7 +3564,7 @@
             <a:fld id="{B61BEF0D-F0BB-DE4B-95CE-6DB70DBA9567}" type="datetimeFigureOut">
               <a:rPr lang="en-US" dirty="0"/>
               <a:pPr/>
-              <a:t>9/21/2022</a:t>
+              <a:t>9/24/2022</a:t>
             </a:fld>
             <a:endParaRPr lang="en-US" dirty="0"/>
           </a:p>
@@ -3822,7 +3827,7 @@
             <a:fld id="{B61BEF0D-F0BB-DE4B-95CE-6DB70DBA9567}" type="datetimeFigureOut">
               <a:rPr lang="en-US" dirty="0"/>
               <a:pPr/>
-              <a:t>9/21/2022</a:t>
+              <a:t>9/24/2022</a:t>
             </a:fld>
             <a:endParaRPr lang="en-US" dirty="0"/>
           </a:p>
@@ -4193,7 +4198,7 @@
             <a:fld id="{B61BEF0D-F0BB-DE4B-95CE-6DB70DBA9567}" type="datetimeFigureOut">
               <a:rPr lang="en-US" dirty="0"/>
               <a:pPr/>
-              <a:t>9/21/2022</a:t>
+              <a:t>9/24/2022</a:t>
             </a:fld>
             <a:endParaRPr lang="en-US" dirty="0"/>
           </a:p>
@@ -4338,7 +4343,7 @@
             <a:fld id="{B61BEF0D-F0BB-DE4B-95CE-6DB70DBA9567}" type="datetimeFigureOut">
               <a:rPr lang="en-US" dirty="0"/>
               <a:pPr/>
-              <a:t>9/21/2022</a:t>
+              <a:t>9/24/2022</a:t>
             </a:fld>
             <a:endParaRPr lang="en-US" dirty="0"/>
           </a:p>
@@ -4460,7 +4465,7 @@
             <a:fld id="{B61BEF0D-F0BB-DE4B-95CE-6DB70DBA9567}" type="datetimeFigureOut">
               <a:rPr lang="en-US" dirty="0"/>
               <a:pPr/>
-              <a:t>9/21/2022</a:t>
+              <a:t>9/24/2022</a:t>
             </a:fld>
             <a:endParaRPr lang="en-US" dirty="0"/>
           </a:p>
@@ -4742,7 +4747,7 @@
             <a:fld id="{B61BEF0D-F0BB-DE4B-95CE-6DB70DBA9567}" type="datetimeFigureOut">
               <a:rPr lang="en-US" dirty="0"/>
               <a:pPr/>
-              <a:t>9/21/2022</a:t>
+              <a:t>9/24/2022</a:t>
             </a:fld>
             <a:endParaRPr lang="en-US" dirty="0"/>
           </a:p>
@@ -5063,7 +5068,7 @@
             <a:fld id="{B61BEF0D-F0BB-DE4B-95CE-6DB70DBA9567}" type="datetimeFigureOut">
               <a:rPr lang="en-US" dirty="0"/>
               <a:pPr/>
-              <a:t>9/21/2022</a:t>
+              <a:t>9/24/2022</a:t>
             </a:fld>
             <a:endParaRPr lang="en-US" dirty="0"/>
           </a:p>
@@ -5274,7 +5279,7 @@
             <a:fld id="{B61BEF0D-F0BB-DE4B-95CE-6DB70DBA9567}" type="datetimeFigureOut">
               <a:rPr lang="en-US" dirty="0"/>
               <a:pPr/>
-              <a:t>9/21/2022</a:t>
+              <a:t>9/24/2022</a:t>
             </a:fld>
             <a:endParaRPr lang="en-US" dirty="0"/>
           </a:p>
@@ -5845,8 +5850,8 @@
         </p:nvSpPr>
         <p:spPr>
           <a:xfrm>
-            <a:off x="4343399" y="5384800"/>
-            <a:ext cx="6816725" cy="406399"/>
+            <a:off x="4301064" y="5190067"/>
+            <a:ext cx="6985001" cy="1337733"/>
           </a:xfrm>
         </p:spPr>
         <p:txBody>
@@ -5869,7 +5874,21 @@
               <a:rPr lang="en" sz="1200" dirty="0"/>
               <a:t>Prof. Mrudula Mukadam</a:t>
             </a:r>
-            <a:endParaRPr lang="en-US" sz="1200" dirty="0"/>
+          </a:p>
+          <a:p>
+            <a:endParaRPr lang="en" sz="1200" dirty="0"/>
+          </a:p>
+          <a:p>
+            <a:r>
+              <a:rPr lang="en" sz="1200" dirty="0"/>
+              <a:t>Link for the video presentation: </a:t>
+            </a:r>
+          </a:p>
+          <a:p>
+            <a:r>
+              <a:rPr lang="en-US" sz="1200" dirty="0"/>
+              <a:t>https://web.microsoftstream.com/video/9d697966-ef89-412c-9c99-37fd57b2d16d</a:t>
+            </a:r>
           </a:p>
         </p:txBody>
       </p:sp>

--- a/BDT Project Presentation.pptx
+++ b/BDT Project Presentation.pptx
@@ -5880,13 +5880,21 @@
           </a:p>
           <a:p>
             <a:r>
-              <a:rPr lang="en" sz="1200" dirty="0"/>
+              <a:rPr lang="en" sz="1200" b="1" dirty="0">
+                <a:solidFill>
+                  <a:srgbClr val="FF0000"/>
+                </a:solidFill>
+              </a:rPr>
               <a:t>Link for the video presentation: </a:t>
             </a:r>
           </a:p>
           <a:p>
             <a:r>
-              <a:rPr lang="en-US" sz="1200" dirty="0"/>
+              <a:rPr lang="en-US" sz="1200" b="1" dirty="0">
+                <a:solidFill>
+                  <a:srgbClr val="FF0000"/>
+                </a:solidFill>
+              </a:rPr>
               <a:t>https://web.microsoftstream.com/video/9d697966-ef89-412c-9c99-37fd57b2d16d</a:t>
             </a:r>
           </a:p>

--- a/BDT Project Presentation.pptx
+++ b/BDT Project Presentation.pptx
@@ -5804,7 +5804,12 @@
             <p:ph type="ctrTitle"/>
           </p:nvPr>
         </p:nvSpPr>
-        <p:spPr/>
+        <p:spPr>
+          <a:xfrm>
+            <a:off x="4194701" y="508000"/>
+            <a:ext cx="7197726" cy="2421464"/>
+          </a:xfrm>
+        </p:spPr>
         <p:txBody>
           <a:bodyPr>
             <a:normAutofit fontScale="90000"/>
